--- a/03-h-Mn/Pictures/Lambdasyst.pptx
+++ b/03-h-Mn/Pictures/Lambdasyst.pptx
@@ -192,7 +192,7 @@
           <a:p>
             <a:fld id="{A732596A-CC33-44AB-A517-CD91BCF05E15}" type="datetimeFigureOut">
               <a:rPr lang="en-US" smtClean="0"/>
-              <a:t>7/10/2017</a:t>
+              <a:t>7/11/2017</a:t>
             </a:fld>
             <a:endParaRPr lang="en-US"/>
           </a:p>
@@ -641,7 +641,7 @@
           <a:p>
             <a:fld id="{252CF840-51FB-49D9-ADDC-0C52DA34DC77}" type="datetimeFigureOut">
               <a:rPr lang="en-US" smtClean="0"/>
-              <a:t>7/10/2017</a:t>
+              <a:t>7/11/2017</a:t>
             </a:fld>
             <a:endParaRPr lang="en-US"/>
           </a:p>
@@ -811,7 +811,7 @@
           <a:p>
             <a:fld id="{252CF840-51FB-49D9-ADDC-0C52DA34DC77}" type="datetimeFigureOut">
               <a:rPr lang="en-US" smtClean="0"/>
-              <a:t>7/10/2017</a:t>
+              <a:t>7/11/2017</a:t>
             </a:fld>
             <a:endParaRPr lang="en-US"/>
           </a:p>
@@ -991,7 +991,7 @@
           <a:p>
             <a:fld id="{252CF840-51FB-49D9-ADDC-0C52DA34DC77}" type="datetimeFigureOut">
               <a:rPr lang="en-US" smtClean="0"/>
-              <a:t>7/10/2017</a:t>
+              <a:t>7/11/2017</a:t>
             </a:fld>
             <a:endParaRPr lang="en-US"/>
           </a:p>
@@ -1161,7 +1161,7 @@
           <a:p>
             <a:fld id="{252CF840-51FB-49D9-ADDC-0C52DA34DC77}" type="datetimeFigureOut">
               <a:rPr lang="en-US" smtClean="0"/>
-              <a:t>7/10/2017</a:t>
+              <a:t>7/11/2017</a:t>
             </a:fld>
             <a:endParaRPr lang="en-US"/>
           </a:p>
@@ -1407,7 +1407,7 @@
           <a:p>
             <a:fld id="{252CF840-51FB-49D9-ADDC-0C52DA34DC77}" type="datetimeFigureOut">
               <a:rPr lang="en-US" smtClean="0"/>
-              <a:t>7/10/2017</a:t>
+              <a:t>7/11/2017</a:t>
             </a:fld>
             <a:endParaRPr lang="en-US"/>
           </a:p>
@@ -1695,7 +1695,7 @@
           <a:p>
             <a:fld id="{252CF840-51FB-49D9-ADDC-0C52DA34DC77}" type="datetimeFigureOut">
               <a:rPr lang="en-US" smtClean="0"/>
-              <a:t>7/10/2017</a:t>
+              <a:t>7/11/2017</a:t>
             </a:fld>
             <a:endParaRPr lang="en-US"/>
           </a:p>
@@ -2117,7 +2117,7 @@
           <a:p>
             <a:fld id="{252CF840-51FB-49D9-ADDC-0C52DA34DC77}" type="datetimeFigureOut">
               <a:rPr lang="en-US" smtClean="0"/>
-              <a:t>7/10/2017</a:t>
+              <a:t>7/11/2017</a:t>
             </a:fld>
             <a:endParaRPr lang="en-US"/>
           </a:p>
@@ -2235,7 +2235,7 @@
           <a:p>
             <a:fld id="{252CF840-51FB-49D9-ADDC-0C52DA34DC77}" type="datetimeFigureOut">
               <a:rPr lang="en-US" smtClean="0"/>
-              <a:t>7/10/2017</a:t>
+              <a:t>7/11/2017</a:t>
             </a:fld>
             <a:endParaRPr lang="en-US"/>
           </a:p>
@@ -2330,7 +2330,7 @@
           <a:p>
             <a:fld id="{252CF840-51FB-49D9-ADDC-0C52DA34DC77}" type="datetimeFigureOut">
               <a:rPr lang="en-US" smtClean="0"/>
-              <a:t>7/10/2017</a:t>
+              <a:t>7/11/2017</a:t>
             </a:fld>
             <a:endParaRPr lang="en-US"/>
           </a:p>
@@ -2607,7 +2607,7 @@
           <a:p>
             <a:fld id="{252CF840-51FB-49D9-ADDC-0C52DA34DC77}" type="datetimeFigureOut">
               <a:rPr lang="en-US" smtClean="0"/>
-              <a:t>7/10/2017</a:t>
+              <a:t>7/11/2017</a:t>
             </a:fld>
             <a:endParaRPr lang="en-US"/>
           </a:p>
@@ -2860,7 +2860,7 @@
           <a:p>
             <a:fld id="{252CF840-51FB-49D9-ADDC-0C52DA34DC77}" type="datetimeFigureOut">
               <a:rPr lang="en-US" smtClean="0"/>
-              <a:t>7/10/2017</a:t>
+              <a:t>7/11/2017</a:t>
             </a:fld>
             <a:endParaRPr lang="en-US"/>
           </a:p>
@@ -3073,7 +3073,7 @@
           <a:p>
             <a:fld id="{252CF840-51FB-49D9-ADDC-0C52DA34DC77}" type="datetimeFigureOut">
               <a:rPr lang="en-US" smtClean="0"/>
-              <a:t>7/10/2017</a:t>
+              <a:t>7/11/2017</a:t>
             </a:fld>
             <a:endParaRPr lang="en-US"/>
           </a:p>
@@ -3450,7 +3450,7 @@
       </p:grpSpPr>
       <p:pic>
         <p:nvPicPr>
-          <p:cNvPr id="684" name="Picture 179"/>
+          <p:cNvPr id="173" name="Picture 179"/>
           <p:cNvPicPr>
             <a:picLocks noChangeAspect="1" noChangeArrowheads="1"/>
           </p:cNvPicPr>
@@ -3471,7 +3471,7 @@
         </p:blipFill>
         <p:spPr bwMode="auto">
           <a:xfrm>
-            <a:off x="-27384" y="-94779"/>
+            <a:off x="-27384" y="-130225"/>
             <a:ext cx="4524375" cy="7331075"/>
           </a:xfrm>
           <a:prstGeom prst="rect">
@@ -3504,13 +3504,13 @@
       </p:pic>
       <p:grpSp>
         <p:nvGrpSpPr>
-          <p:cNvPr id="685" name="Groupe 684"/>
+          <p:cNvPr id="174" name="Groupe 173"/>
           <p:cNvGrpSpPr/>
           <p:nvPr/>
         </p:nvGrpSpPr>
         <p:grpSpPr>
           <a:xfrm>
-            <a:off x="4595237" y="60270"/>
+            <a:off x="4595237" y="24824"/>
             <a:ext cx="2146131" cy="2399602"/>
             <a:chOff x="4523229" y="118537"/>
             <a:chExt cx="2146131" cy="2399602"/>
@@ -3518,7 +3518,7 @@
         </p:grpSpPr>
         <p:sp>
           <p:nvSpPr>
-            <p:cNvPr id="686" name="Line 17"/>
+            <p:cNvPr id="175" name="Line 17"/>
             <p:cNvSpPr>
               <a:spLocks noChangeShapeType="1"/>
             </p:cNvSpPr>
@@ -3569,7 +3569,7 @@
         </p:sp>
         <p:sp>
           <p:nvSpPr>
-            <p:cNvPr id="687" name="Line 17"/>
+            <p:cNvPr id="176" name="Line 17"/>
             <p:cNvSpPr>
               <a:spLocks noChangeShapeType="1"/>
             </p:cNvSpPr>
@@ -3620,7 +3620,7 @@
         </p:sp>
         <p:sp>
           <p:nvSpPr>
-            <p:cNvPr id="688" name="Line 17"/>
+            <p:cNvPr id="177" name="Line 17"/>
             <p:cNvSpPr>
               <a:spLocks noChangeShapeType="1"/>
             </p:cNvSpPr>
@@ -3671,7 +3671,7 @@
         </p:sp>
         <p:sp>
           <p:nvSpPr>
-            <p:cNvPr id="689" name="Line 17"/>
+            <p:cNvPr id="178" name="Line 17"/>
             <p:cNvSpPr>
               <a:spLocks noChangeShapeType="1"/>
             </p:cNvSpPr>
@@ -3722,7 +3722,7 @@
         </p:sp>
         <p:sp>
           <p:nvSpPr>
-            <p:cNvPr id="690" name="Line 17"/>
+            <p:cNvPr id="179" name="Line 17"/>
             <p:cNvSpPr>
               <a:spLocks noChangeShapeType="1"/>
             </p:cNvSpPr>
@@ -3773,7 +3773,7 @@
         </p:sp>
         <p:sp>
           <p:nvSpPr>
-            <p:cNvPr id="691" name="Line 17"/>
+            <p:cNvPr id="180" name="Line 17"/>
             <p:cNvSpPr>
               <a:spLocks noChangeShapeType="1"/>
             </p:cNvSpPr>
@@ -3824,7 +3824,7 @@
         </p:sp>
         <p:sp>
           <p:nvSpPr>
-            <p:cNvPr id="692" name="Line 17"/>
+            <p:cNvPr id="181" name="Line 17"/>
             <p:cNvSpPr>
               <a:spLocks noChangeShapeType="1"/>
             </p:cNvSpPr>
@@ -3875,7 +3875,7 @@
         </p:sp>
         <p:sp>
           <p:nvSpPr>
-            <p:cNvPr id="693" name="Rectangle 692"/>
+            <p:cNvPr id="182" name="Rectangle 181"/>
             <p:cNvSpPr/>
             <p:nvPr/>
           </p:nvSpPr>
@@ -3907,9 +3907,9 @@
         </p:sp>
         <p:cxnSp>
           <p:nvCxnSpPr>
-            <p:cNvPr id="694" name="Connecteur droit avec flèche 693"/>
+            <p:cNvPr id="183" name="Connecteur droit avec flèche 182"/>
             <p:cNvCxnSpPr>
-              <a:stCxn id="704" idx="0"/>
+              <a:stCxn id="193" idx="0"/>
             </p:cNvCxnSpPr>
             <p:nvPr/>
           </p:nvCxnSpPr>
@@ -3945,7 +3945,7 @@
         </p:cxnSp>
         <p:cxnSp>
           <p:nvCxnSpPr>
-            <p:cNvPr id="695" name="Connecteur droit avec flèche 694"/>
+            <p:cNvPr id="184" name="Connecteur droit avec flèche 183"/>
             <p:cNvCxnSpPr/>
             <p:nvPr/>
           </p:nvCxnSpPr>
@@ -3981,7 +3981,7 @@
         </p:cxnSp>
         <p:cxnSp>
           <p:nvCxnSpPr>
-            <p:cNvPr id="696" name="Connecteur droit 695"/>
+            <p:cNvPr id="185" name="Connecteur droit 184"/>
             <p:cNvCxnSpPr/>
             <p:nvPr/>
           </p:nvCxnSpPr>
@@ -4016,7 +4016,7 @@
         </p:cxnSp>
         <p:cxnSp>
           <p:nvCxnSpPr>
-            <p:cNvPr id="697" name="Connecteur droit 696"/>
+            <p:cNvPr id="186" name="Connecteur droit 185"/>
             <p:cNvCxnSpPr/>
             <p:nvPr/>
           </p:nvCxnSpPr>
@@ -4051,7 +4051,7 @@
         </p:cxnSp>
         <p:cxnSp>
           <p:nvCxnSpPr>
-            <p:cNvPr id="698" name="Connecteur droit 697"/>
+            <p:cNvPr id="187" name="Connecteur droit 186"/>
             <p:cNvCxnSpPr/>
             <p:nvPr/>
           </p:nvCxnSpPr>
@@ -4086,7 +4086,7 @@
         </p:cxnSp>
         <p:cxnSp>
           <p:nvCxnSpPr>
-            <p:cNvPr id="699" name="Connecteur droit 698"/>
+            <p:cNvPr id="188" name="Connecteur droit 187"/>
             <p:cNvCxnSpPr/>
             <p:nvPr/>
           </p:nvCxnSpPr>
@@ -4121,7 +4121,7 @@
         </p:cxnSp>
         <p:cxnSp>
           <p:nvCxnSpPr>
-            <p:cNvPr id="700" name="Connecteur droit 699"/>
+            <p:cNvPr id="189" name="Connecteur droit 188"/>
             <p:cNvCxnSpPr/>
             <p:nvPr/>
           </p:nvCxnSpPr>
@@ -4156,7 +4156,7 @@
         </p:cxnSp>
         <p:cxnSp>
           <p:nvCxnSpPr>
-            <p:cNvPr id="701" name="Connecteur droit 700"/>
+            <p:cNvPr id="190" name="Connecteur droit 189"/>
             <p:cNvCxnSpPr/>
             <p:nvPr/>
           </p:nvCxnSpPr>
@@ -4191,7 +4191,7 @@
         </p:cxnSp>
         <p:cxnSp>
           <p:nvCxnSpPr>
-            <p:cNvPr id="702" name="Connecteur droit 701"/>
+            <p:cNvPr id="191" name="Connecteur droit 190"/>
             <p:cNvCxnSpPr/>
             <p:nvPr/>
           </p:nvCxnSpPr>
@@ -4226,7 +4226,7 @@
         </p:cxnSp>
         <p:cxnSp>
           <p:nvCxnSpPr>
-            <p:cNvPr id="703" name="Connecteur droit 702"/>
+            <p:cNvPr id="192" name="Connecteur droit 191"/>
             <p:cNvCxnSpPr/>
             <p:nvPr/>
           </p:nvCxnSpPr>
@@ -4261,7 +4261,7 @@
         </p:cxnSp>
         <p:sp>
           <p:nvSpPr>
-            <p:cNvPr id="704" name="Rectangle 703"/>
+            <p:cNvPr id="193" name="Rectangle 192"/>
             <p:cNvSpPr/>
             <p:nvPr/>
           </p:nvSpPr>
@@ -4293,7 +4293,7 @@
         </p:sp>
         <p:sp>
           <p:nvSpPr>
-            <p:cNvPr id="705" name="Rectangle 704"/>
+            <p:cNvPr id="194" name="Rectangle 193"/>
             <p:cNvSpPr/>
             <p:nvPr/>
           </p:nvSpPr>
@@ -4325,7 +4325,7 @@
         </p:sp>
         <p:sp>
           <p:nvSpPr>
-            <p:cNvPr id="706" name="Rectangle 705"/>
+            <p:cNvPr id="195" name="Rectangle 194"/>
             <p:cNvSpPr/>
             <p:nvPr/>
           </p:nvSpPr>
@@ -4357,7 +4357,7 @@
         </p:sp>
         <p:sp>
           <p:nvSpPr>
-            <p:cNvPr id="707" name="Rectangle 706"/>
+            <p:cNvPr id="196" name="Rectangle 195"/>
             <p:cNvSpPr/>
             <p:nvPr/>
           </p:nvSpPr>
@@ -4389,7 +4389,7 @@
         </p:sp>
         <p:sp>
           <p:nvSpPr>
-            <p:cNvPr id="708" name="Rectangle 707"/>
+            <p:cNvPr id="197" name="Rectangle 196"/>
             <p:cNvSpPr/>
             <p:nvPr/>
           </p:nvSpPr>
@@ -4421,7 +4421,7 @@
         </p:sp>
         <p:sp>
           <p:nvSpPr>
-            <p:cNvPr id="709" name="Rectangle 708"/>
+            <p:cNvPr id="198" name="Rectangle 197"/>
             <p:cNvSpPr/>
             <p:nvPr/>
           </p:nvSpPr>
@@ -4460,7 +4460,7 @@
         </p:sp>
         <p:sp>
           <p:nvSpPr>
-            <p:cNvPr id="710" name="Rectangle 709"/>
+            <p:cNvPr id="199" name="Rectangle 198"/>
             <p:cNvSpPr/>
             <p:nvPr/>
           </p:nvSpPr>
@@ -4499,7 +4499,7 @@
         </p:sp>
         <p:sp>
           <p:nvSpPr>
-            <p:cNvPr id="711" name="Rectangle 710"/>
+            <p:cNvPr id="200" name="Rectangle 199"/>
             <p:cNvSpPr/>
             <p:nvPr/>
           </p:nvSpPr>
@@ -4538,7 +4538,7 @@
         </p:sp>
         <p:sp>
           <p:nvSpPr>
-            <p:cNvPr id="712" name="Rectangle 711"/>
+            <p:cNvPr id="201" name="Rectangle 200"/>
             <p:cNvSpPr/>
             <p:nvPr/>
           </p:nvSpPr>
@@ -4577,7 +4577,7 @@
         </p:sp>
         <p:sp>
           <p:nvSpPr>
-            <p:cNvPr id="713" name="Rectangle 712"/>
+            <p:cNvPr id="202" name="Rectangle 201"/>
             <p:cNvSpPr/>
             <p:nvPr/>
           </p:nvSpPr>
@@ -4616,7 +4616,7 @@
         </p:sp>
         <p:sp>
           <p:nvSpPr>
-            <p:cNvPr id="714" name="Line 17"/>
+            <p:cNvPr id="203" name="Line 17"/>
             <p:cNvSpPr>
               <a:spLocks noChangeShapeType="1"/>
             </p:cNvSpPr>
@@ -4665,7 +4665,7 @@
         </p:sp>
         <p:sp>
           <p:nvSpPr>
-            <p:cNvPr id="715" name="Line 17"/>
+            <p:cNvPr id="204" name="Line 17"/>
             <p:cNvSpPr>
               <a:spLocks noChangeShapeType="1"/>
             </p:cNvSpPr>
@@ -4714,7 +4714,7 @@
         </p:sp>
         <p:sp>
           <p:nvSpPr>
-            <p:cNvPr id="716" name="Line 17"/>
+            <p:cNvPr id="205" name="Line 17"/>
             <p:cNvSpPr>
               <a:spLocks noChangeShapeType="1"/>
             </p:cNvSpPr>
@@ -4763,7 +4763,7 @@
         </p:sp>
         <p:sp>
           <p:nvSpPr>
-            <p:cNvPr id="717" name="Line 17"/>
+            <p:cNvPr id="206" name="Line 17"/>
             <p:cNvSpPr>
               <a:spLocks noChangeShapeType="1"/>
             </p:cNvSpPr>
@@ -4814,7 +4814,7 @@
         </p:sp>
         <p:sp>
           <p:nvSpPr>
-            <p:cNvPr id="718" name="Line 17"/>
+            <p:cNvPr id="207" name="Line 17"/>
             <p:cNvSpPr>
               <a:spLocks noChangeShapeType="1"/>
             </p:cNvSpPr>
@@ -4865,7 +4865,7 @@
         </p:sp>
         <p:sp>
           <p:nvSpPr>
-            <p:cNvPr id="719" name="Line 17"/>
+            <p:cNvPr id="208" name="Line 17"/>
             <p:cNvSpPr>
               <a:spLocks noChangeShapeType="1"/>
             </p:cNvSpPr>
@@ -4916,7 +4916,7 @@
         </p:sp>
         <p:sp>
           <p:nvSpPr>
-            <p:cNvPr id="720" name="Line 17"/>
+            <p:cNvPr id="209" name="Line 17"/>
             <p:cNvSpPr>
               <a:spLocks noChangeShapeType="1"/>
             </p:cNvSpPr>
@@ -4967,7 +4967,7 @@
         </p:sp>
         <p:sp>
           <p:nvSpPr>
-            <p:cNvPr id="721" name="Line 17"/>
+            <p:cNvPr id="210" name="Line 17"/>
             <p:cNvSpPr>
               <a:spLocks noChangeShapeType="1"/>
             </p:cNvSpPr>
@@ -5018,7 +5018,7 @@
         </p:sp>
         <p:sp>
           <p:nvSpPr>
-            <p:cNvPr id="722" name="Line 17"/>
+            <p:cNvPr id="211" name="Line 17"/>
             <p:cNvSpPr>
               <a:spLocks noChangeShapeType="1"/>
             </p:cNvSpPr>
@@ -5067,7 +5067,7 @@
         </p:sp>
         <p:sp>
           <p:nvSpPr>
-            <p:cNvPr id="723" name="Line 17"/>
+            <p:cNvPr id="212" name="Line 17"/>
             <p:cNvSpPr>
               <a:spLocks noChangeShapeType="1"/>
             </p:cNvSpPr>
@@ -5116,7 +5116,7 @@
         </p:sp>
         <p:sp>
           <p:nvSpPr>
-            <p:cNvPr id="724" name="Line 17"/>
+            <p:cNvPr id="213" name="Line 17"/>
             <p:cNvSpPr>
               <a:spLocks noChangeShapeType="1"/>
             </p:cNvSpPr>
@@ -5165,7 +5165,7 @@
         </p:sp>
         <p:sp>
           <p:nvSpPr>
-            <p:cNvPr id="725" name="Line 17"/>
+            <p:cNvPr id="214" name="Line 17"/>
             <p:cNvSpPr>
               <a:spLocks noChangeShapeType="1"/>
             </p:cNvSpPr>
@@ -5214,7 +5214,7 @@
         </p:sp>
         <p:sp>
           <p:nvSpPr>
-            <p:cNvPr id="726" name="ZoneTexte 725"/>
+            <p:cNvPr id="215" name="ZoneTexte 214"/>
             <p:cNvSpPr txBox="1"/>
             <p:nvPr/>
           </p:nvSpPr>
@@ -5266,7 +5266,7 @@
         </p:sp>
         <p:sp>
           <p:nvSpPr>
-            <p:cNvPr id="727" name="ZoneTexte 726"/>
+            <p:cNvPr id="216" name="ZoneTexte 215"/>
             <p:cNvSpPr txBox="1"/>
             <p:nvPr/>
           </p:nvSpPr>
@@ -5318,7 +5318,7 @@
         </p:sp>
         <p:cxnSp>
           <p:nvCxnSpPr>
-            <p:cNvPr id="728" name="Connecteur droit avec flèche 727"/>
+            <p:cNvPr id="217" name="Connecteur droit avec flèche 216"/>
             <p:cNvCxnSpPr/>
             <p:nvPr/>
           </p:nvCxnSpPr>
@@ -5355,7 +5355,7 @@
         </p:cxnSp>
         <p:sp>
           <p:nvSpPr>
-            <p:cNvPr id="729" name="Line 17"/>
+            <p:cNvPr id="218" name="Line 17"/>
             <p:cNvSpPr>
               <a:spLocks noChangeShapeType="1"/>
             </p:cNvSpPr>
@@ -5407,7 +5407,7 @@
         </p:sp>
         <p:sp>
           <p:nvSpPr>
-            <p:cNvPr id="730" name="Line 17"/>
+            <p:cNvPr id="219" name="Line 17"/>
             <p:cNvSpPr>
               <a:spLocks noChangeShapeType="1"/>
             </p:cNvSpPr>
@@ -5456,7 +5456,7 @@
         </p:sp>
         <p:sp>
           <p:nvSpPr>
-            <p:cNvPr id="731" name="Line 17"/>
+            <p:cNvPr id="220" name="Line 17"/>
             <p:cNvSpPr>
               <a:spLocks noChangeShapeType="1"/>
             </p:cNvSpPr>
@@ -5508,7 +5508,7 @@
         </p:sp>
         <p:sp>
           <p:nvSpPr>
-            <p:cNvPr id="732" name="Line 17"/>
+            <p:cNvPr id="221" name="Line 17"/>
             <p:cNvSpPr>
               <a:spLocks noChangeShapeType="1"/>
             </p:cNvSpPr>
@@ -5559,7 +5559,7 @@
         </p:sp>
         <p:sp>
           <p:nvSpPr>
-            <p:cNvPr id="733" name="Line 17"/>
+            <p:cNvPr id="222" name="Line 17"/>
             <p:cNvSpPr>
               <a:spLocks noChangeShapeType="1"/>
             </p:cNvSpPr>
@@ -5610,7 +5610,7 @@
         </p:sp>
         <p:sp>
           <p:nvSpPr>
-            <p:cNvPr id="734" name="Line 17"/>
+            <p:cNvPr id="223" name="Line 17"/>
             <p:cNvSpPr>
               <a:spLocks noChangeShapeType="1"/>
             </p:cNvSpPr>
@@ -5661,7 +5661,7 @@
         </p:sp>
         <p:sp>
           <p:nvSpPr>
-            <p:cNvPr id="735" name="Line 17"/>
+            <p:cNvPr id="224" name="Line 17"/>
             <p:cNvSpPr>
               <a:spLocks noChangeShapeType="1"/>
             </p:cNvSpPr>
@@ -5712,7 +5712,7 @@
         </p:sp>
         <p:sp>
           <p:nvSpPr>
-            <p:cNvPr id="736" name="Line 17"/>
+            <p:cNvPr id="225" name="Line 17"/>
             <p:cNvSpPr>
               <a:spLocks noChangeShapeType="1"/>
             </p:cNvSpPr>
@@ -5763,7 +5763,7 @@
         </p:sp>
         <p:cxnSp>
           <p:nvCxnSpPr>
-            <p:cNvPr id="737" name="Connecteur droit avec flèche 736"/>
+            <p:cNvPr id="226" name="Connecteur droit avec flèche 225"/>
             <p:cNvCxnSpPr/>
             <p:nvPr/>
           </p:nvCxnSpPr>
@@ -5800,14 +5800,14 @@
         </p:cxnSp>
         <p:graphicFrame>
           <p:nvGraphicFramePr>
-            <p:cNvPr id="738" name="Objet 737"/>
+            <p:cNvPr id="227" name="Objet 226"/>
             <p:cNvGraphicFramePr>
               <a:graphicFrameLocks noChangeAspect="1"/>
             </p:cNvGraphicFramePr>
             <p:nvPr>
               <p:extLst>
                 <p:ext uri="{D42A27DB-BD31-4B8C-83A1-F6EECF244321}">
-                  <p14:modId xmlns:p14="http://schemas.microsoft.com/office/powerpoint/2010/main" val="47679782"/>
+                  <p14:modId xmlns:p14="http://schemas.microsoft.com/office/powerpoint/2010/main" val="243609707"/>
                 </p:ext>
               </p:extLst>
             </p:nvPr>
@@ -5820,7 +5820,7 @@
             <a:graphicData uri="http://schemas.openxmlformats.org/presentationml/2006/ole">
               <mc:AlternateContent xmlns:mc="http://schemas.openxmlformats.org/markup-compatibility/2006">
                 <mc:Choice xmlns:v="urn:schemas-microsoft-com:vml" Requires="v">
-                  <p:oleObj spid="_x0000_s1240" name="Équation" r:id="rId4" imgW="393480" imgH="253800" progId="Equation.3">
+                  <p:oleObj spid="_x0000_s1246" name="Équation" r:id="rId4" imgW="393480" imgH="253800" progId="Equation.3">
                     <p:embed/>
                   </p:oleObj>
                 </mc:Choice>
@@ -5884,27 +5884,27 @@
       </p:grpSp>
       <p:graphicFrame>
         <p:nvGraphicFramePr>
-          <p:cNvPr id="739" name="Objet 738"/>
+          <p:cNvPr id="228" name="Objet 227"/>
           <p:cNvGraphicFramePr>
             <a:graphicFrameLocks noChangeAspect="1"/>
           </p:cNvGraphicFramePr>
           <p:nvPr>
             <p:extLst>
               <p:ext uri="{D42A27DB-BD31-4B8C-83A1-F6EECF244321}">
-                <p14:modId xmlns:p14="http://schemas.microsoft.com/office/powerpoint/2010/main" val="770064613"/>
+                <p14:modId xmlns:p14="http://schemas.microsoft.com/office/powerpoint/2010/main" val="3969506869"/>
               </p:ext>
             </p:extLst>
           </p:nvPr>
         </p:nvGraphicFramePr>
         <p:xfrm>
-          <a:off x="3645024" y="2885254"/>
+          <a:off x="3645024" y="2849808"/>
           <a:ext cx="438150" cy="282575"/>
         </p:xfrm>
         <a:graphic>
           <a:graphicData uri="http://schemas.openxmlformats.org/presentationml/2006/ole">
             <mc:AlternateContent xmlns:mc="http://schemas.openxmlformats.org/markup-compatibility/2006">
               <mc:Choice xmlns:v="urn:schemas-microsoft-com:vml" Requires="v">
-                <p:oleObj spid="_x0000_s1241" name="Équation" r:id="rId6" imgW="393480" imgH="253800" progId="Equation.3">
+                <p:oleObj spid="_x0000_s1247" name="Équation" r:id="rId6" imgW="393480" imgH="253800" progId="Equation.3">
                   <p:embed/>
                 </p:oleObj>
               </mc:Choice>
@@ -5934,7 +5934,7 @@
                     </p:blipFill>
                     <p:spPr bwMode="auto">
                       <a:xfrm>
-                        <a:off x="3645024" y="2885254"/>
+                        <a:off x="3645024" y="2849808"/>
                         <a:ext cx="438150" cy="282575"/>
                       </a:xfrm>
                       <a:prstGeom prst="rect">
@@ -5973,27 +5973,27 @@
       </p:graphicFrame>
       <p:graphicFrame>
         <p:nvGraphicFramePr>
-          <p:cNvPr id="740" name="Objet 739"/>
+          <p:cNvPr id="229" name="Objet 228"/>
           <p:cNvGraphicFramePr>
             <a:graphicFrameLocks noChangeAspect="1"/>
           </p:cNvGraphicFramePr>
           <p:nvPr>
             <p:extLst>
               <p:ext uri="{D42A27DB-BD31-4B8C-83A1-F6EECF244321}">
-                <p14:modId xmlns:p14="http://schemas.microsoft.com/office/powerpoint/2010/main" val="2171941383"/>
+                <p14:modId xmlns:p14="http://schemas.microsoft.com/office/powerpoint/2010/main" val="313436478"/>
               </p:ext>
             </p:extLst>
           </p:nvPr>
         </p:nvGraphicFramePr>
         <p:xfrm>
-          <a:off x="3645024" y="4583236"/>
+          <a:off x="3645024" y="4547790"/>
           <a:ext cx="452438" cy="282575"/>
         </p:xfrm>
         <a:graphic>
           <a:graphicData uri="http://schemas.openxmlformats.org/presentationml/2006/ole">
             <mc:AlternateContent xmlns:mc="http://schemas.openxmlformats.org/markup-compatibility/2006">
               <mc:Choice xmlns:v="urn:schemas-microsoft-com:vml" Requires="v">
-                <p:oleObj spid="_x0000_s1242" name="Équation" r:id="rId8" imgW="406080" imgH="253800" progId="Equation.3">
+                <p:oleObj spid="_x0000_s1248" name="Équation" r:id="rId8" imgW="406080" imgH="253800" progId="Equation.3">
                   <p:embed/>
                 </p:oleObj>
               </mc:Choice>
@@ -6023,7 +6023,7 @@
                     </p:blipFill>
                     <p:spPr bwMode="auto">
                       <a:xfrm>
-                        <a:off x="3645024" y="4583236"/>
+                        <a:off x="3645024" y="4547790"/>
                         <a:ext cx="452438" cy="282575"/>
                       </a:xfrm>
                       <a:prstGeom prst="rect">
@@ -6062,27 +6062,27 @@
       </p:graphicFrame>
       <p:graphicFrame>
         <p:nvGraphicFramePr>
-          <p:cNvPr id="741" name="Objet 740"/>
+          <p:cNvPr id="230" name="Objet 229"/>
           <p:cNvGraphicFramePr>
             <a:graphicFrameLocks noChangeAspect="1"/>
           </p:cNvGraphicFramePr>
           <p:nvPr>
             <p:extLst>
               <p:ext uri="{D42A27DB-BD31-4B8C-83A1-F6EECF244321}">
-                <p14:modId xmlns:p14="http://schemas.microsoft.com/office/powerpoint/2010/main" val="1967886836"/>
+                <p14:modId xmlns:p14="http://schemas.microsoft.com/office/powerpoint/2010/main" val="1416110720"/>
               </p:ext>
             </p:extLst>
           </p:nvPr>
         </p:nvGraphicFramePr>
         <p:xfrm>
-          <a:off x="3645024" y="6141449"/>
+          <a:off x="3645024" y="6106003"/>
           <a:ext cx="452437" cy="282575"/>
         </p:xfrm>
         <a:graphic>
           <a:graphicData uri="http://schemas.openxmlformats.org/presentationml/2006/ole">
             <mc:AlternateContent xmlns:mc="http://schemas.openxmlformats.org/markup-compatibility/2006">
               <mc:Choice xmlns:v="urn:schemas-microsoft-com:vml" Requires="v">
-                <p:oleObj spid="_x0000_s1243" name="Équation" r:id="rId10" imgW="406080" imgH="253800" progId="Equation.3">
+                <p:oleObj spid="_x0000_s1249" name="Équation" r:id="rId10" imgW="406080" imgH="253800" progId="Equation.3">
                   <p:embed/>
                 </p:oleObj>
               </mc:Choice>
@@ -6112,7 +6112,7 @@
                     </p:blipFill>
                     <p:spPr bwMode="auto">
                       <a:xfrm>
-                        <a:off x="3645024" y="6141449"/>
+                        <a:off x="3645024" y="6106003"/>
                         <a:ext cx="452437" cy="282575"/>
                       </a:xfrm>
                       <a:prstGeom prst="rect">
@@ -6151,13 +6151,13 @@
       </p:graphicFrame>
       <p:sp>
         <p:nvSpPr>
-          <p:cNvPr id="742" name="ZoneTexte 741"/>
+          <p:cNvPr id="231" name="ZoneTexte 230"/>
           <p:cNvSpPr txBox="1"/>
           <p:nvPr/>
         </p:nvSpPr>
         <p:spPr>
           <a:xfrm>
-            <a:off x="588602" y="151850"/>
+            <a:off x="588602" y="116404"/>
             <a:ext cx="425116" cy="338554"/>
           </a:xfrm>
           <a:prstGeom prst="rect">
@@ -6187,13 +6187,13 @@
       </p:sp>
       <p:sp>
         <p:nvSpPr>
-          <p:cNvPr id="743" name="ZoneTexte 742"/>
+          <p:cNvPr id="232" name="ZoneTexte 231"/>
           <p:cNvSpPr txBox="1"/>
           <p:nvPr/>
         </p:nvSpPr>
         <p:spPr>
           <a:xfrm>
-            <a:off x="4303291" y="130906"/>
+            <a:off x="4303291" y="95460"/>
             <a:ext cx="436338" cy="338554"/>
           </a:xfrm>
           <a:prstGeom prst="rect">
@@ -6223,13 +6223,13 @@
       </p:sp>
       <p:sp>
         <p:nvSpPr>
-          <p:cNvPr id="744" name="ZoneTexte 743"/>
+          <p:cNvPr id="233" name="ZoneTexte 232"/>
           <p:cNvSpPr txBox="1"/>
           <p:nvPr/>
         </p:nvSpPr>
         <p:spPr>
           <a:xfrm>
-            <a:off x="2564904" y="1516145"/>
+            <a:off x="2564904" y="1480699"/>
             <a:ext cx="425116" cy="338554"/>
           </a:xfrm>
           <a:prstGeom prst="rect">
@@ -6259,13 +6259,13 @@
       </p:sp>
       <p:sp>
         <p:nvSpPr>
-          <p:cNvPr id="745" name="ZoneTexte 744"/>
+          <p:cNvPr id="234" name="ZoneTexte 233"/>
           <p:cNvSpPr txBox="1"/>
           <p:nvPr/>
         </p:nvSpPr>
         <p:spPr>
           <a:xfrm>
-            <a:off x="2770879" y="3799577"/>
+            <a:off x="2770879" y="3764131"/>
             <a:ext cx="425116" cy="338554"/>
           </a:xfrm>
           <a:prstGeom prst="rect">
@@ -6295,13 +6295,13 @@
       </p:sp>
       <p:sp>
         <p:nvSpPr>
-          <p:cNvPr id="746" name="ZoneTexte 745"/>
+          <p:cNvPr id="235" name="ZoneTexte 234"/>
           <p:cNvSpPr txBox="1"/>
           <p:nvPr/>
         </p:nvSpPr>
         <p:spPr>
           <a:xfrm>
-            <a:off x="2983437" y="5268064"/>
+            <a:off x="2983437" y="5232618"/>
             <a:ext cx="425116" cy="338554"/>
           </a:xfrm>
           <a:prstGeom prst="rect">
@@ -6331,13 +6331,13 @@
       </p:sp>
       <p:grpSp>
         <p:nvGrpSpPr>
-          <p:cNvPr id="747" name="Groupe 746"/>
+          <p:cNvPr id="236" name="Groupe 235"/>
           <p:cNvGrpSpPr/>
           <p:nvPr/>
         </p:nvGrpSpPr>
         <p:grpSpPr>
           <a:xfrm>
-            <a:off x="4595237" y="2372356"/>
+            <a:off x="4595237" y="2336910"/>
             <a:ext cx="2146131" cy="2429409"/>
             <a:chOff x="4509120" y="2676454"/>
             <a:chExt cx="2146131" cy="2429409"/>
@@ -6345,14 +6345,14 @@
         </p:grpSpPr>
         <p:graphicFrame>
           <p:nvGraphicFramePr>
-            <p:cNvPr id="748" name="Objet 747"/>
+            <p:cNvPr id="237" name="Objet 236"/>
             <p:cNvGraphicFramePr>
               <a:graphicFrameLocks noChangeAspect="1"/>
             </p:cNvGraphicFramePr>
             <p:nvPr>
               <p:extLst>
                 <p:ext uri="{D42A27DB-BD31-4B8C-83A1-F6EECF244321}">
-                  <p14:modId xmlns:p14="http://schemas.microsoft.com/office/powerpoint/2010/main" val="2509017753"/>
+                  <p14:modId xmlns:p14="http://schemas.microsoft.com/office/powerpoint/2010/main" val="3665490382"/>
                 </p:ext>
               </p:extLst>
             </p:nvPr>
@@ -6365,7 +6365,7 @@
             <a:graphicData uri="http://schemas.openxmlformats.org/presentationml/2006/ole">
               <mc:AlternateContent xmlns:mc="http://schemas.openxmlformats.org/markup-compatibility/2006">
                 <mc:Choice xmlns:v="urn:schemas-microsoft-com:vml" Requires="v">
-                  <p:oleObj spid="_x0000_s1244" name="Équation" r:id="rId12" imgW="406080" imgH="253800" progId="Equation.3">
+                  <p:oleObj spid="_x0000_s1250" name="Équation" r:id="rId12" imgW="406080" imgH="253800" progId="Equation.3">
                     <p:embed/>
                   </p:oleObj>
                 </mc:Choice>
@@ -6428,7 +6428,7 @@
         </p:graphicFrame>
         <p:sp>
           <p:nvSpPr>
-            <p:cNvPr id="749" name="Line 17"/>
+            <p:cNvPr id="238" name="Line 17"/>
             <p:cNvSpPr>
               <a:spLocks noChangeShapeType="1"/>
             </p:cNvSpPr>
@@ -6479,7 +6479,7 @@
         </p:sp>
         <p:sp>
           <p:nvSpPr>
-            <p:cNvPr id="750" name="Line 17"/>
+            <p:cNvPr id="239" name="Line 17"/>
             <p:cNvSpPr>
               <a:spLocks noChangeShapeType="1"/>
             </p:cNvSpPr>
@@ -6530,7 +6530,7 @@
         </p:sp>
         <p:sp>
           <p:nvSpPr>
-            <p:cNvPr id="751" name="Line 17"/>
+            <p:cNvPr id="240" name="Line 17"/>
             <p:cNvSpPr>
               <a:spLocks noChangeShapeType="1"/>
             </p:cNvSpPr>
@@ -6581,7 +6581,7 @@
         </p:sp>
         <p:sp>
           <p:nvSpPr>
-            <p:cNvPr id="752" name="Line 17"/>
+            <p:cNvPr id="241" name="Line 17"/>
             <p:cNvSpPr>
               <a:spLocks noChangeShapeType="1"/>
             </p:cNvSpPr>
@@ -6632,7 +6632,7 @@
         </p:sp>
         <p:sp>
           <p:nvSpPr>
-            <p:cNvPr id="753" name="Line 17"/>
+            <p:cNvPr id="242" name="Line 17"/>
             <p:cNvSpPr>
               <a:spLocks noChangeShapeType="1"/>
             </p:cNvSpPr>
@@ -6683,7 +6683,7 @@
         </p:sp>
         <p:sp>
           <p:nvSpPr>
-            <p:cNvPr id="754" name="Line 17"/>
+            <p:cNvPr id="243" name="Line 17"/>
             <p:cNvSpPr>
               <a:spLocks noChangeShapeType="1"/>
             </p:cNvSpPr>
@@ -6734,7 +6734,7 @@
         </p:sp>
         <p:sp>
           <p:nvSpPr>
-            <p:cNvPr id="755" name="Line 17"/>
+            <p:cNvPr id="244" name="Line 17"/>
             <p:cNvSpPr>
               <a:spLocks noChangeShapeType="1"/>
             </p:cNvSpPr>
@@ -6785,7 +6785,7 @@
         </p:sp>
         <p:sp>
           <p:nvSpPr>
-            <p:cNvPr id="756" name="Rectangle 755"/>
+            <p:cNvPr id="245" name="Rectangle 244"/>
             <p:cNvSpPr/>
             <p:nvPr/>
           </p:nvSpPr>
@@ -6817,9 +6817,9 @@
         </p:sp>
         <p:cxnSp>
           <p:nvCxnSpPr>
-            <p:cNvPr id="757" name="Connecteur droit avec flèche 756"/>
+            <p:cNvPr id="246" name="Connecteur droit avec flèche 245"/>
             <p:cNvCxnSpPr>
-              <a:stCxn id="767" idx="0"/>
+              <a:stCxn id="256" idx="0"/>
             </p:cNvCxnSpPr>
             <p:nvPr/>
           </p:nvCxnSpPr>
@@ -6855,7 +6855,7 @@
         </p:cxnSp>
         <p:cxnSp>
           <p:nvCxnSpPr>
-            <p:cNvPr id="758" name="Connecteur droit avec flèche 757"/>
+            <p:cNvPr id="247" name="Connecteur droit avec flèche 246"/>
             <p:cNvCxnSpPr/>
             <p:nvPr/>
           </p:nvCxnSpPr>
@@ -6891,7 +6891,7 @@
         </p:cxnSp>
         <p:cxnSp>
           <p:nvCxnSpPr>
-            <p:cNvPr id="759" name="Connecteur droit 758"/>
+            <p:cNvPr id="248" name="Connecteur droit 247"/>
             <p:cNvCxnSpPr/>
             <p:nvPr/>
           </p:nvCxnSpPr>
@@ -6926,7 +6926,7 @@
         </p:cxnSp>
         <p:cxnSp>
           <p:nvCxnSpPr>
-            <p:cNvPr id="760" name="Connecteur droit 759"/>
+            <p:cNvPr id="249" name="Connecteur droit 248"/>
             <p:cNvCxnSpPr/>
             <p:nvPr/>
           </p:nvCxnSpPr>
@@ -6961,7 +6961,7 @@
         </p:cxnSp>
         <p:cxnSp>
           <p:nvCxnSpPr>
-            <p:cNvPr id="761" name="Connecteur droit 760"/>
+            <p:cNvPr id="250" name="Connecteur droit 249"/>
             <p:cNvCxnSpPr/>
             <p:nvPr/>
           </p:nvCxnSpPr>
@@ -6996,7 +6996,7 @@
         </p:cxnSp>
         <p:cxnSp>
           <p:nvCxnSpPr>
-            <p:cNvPr id="762" name="Connecteur droit 761"/>
+            <p:cNvPr id="251" name="Connecteur droit 250"/>
             <p:cNvCxnSpPr/>
             <p:nvPr/>
           </p:nvCxnSpPr>
@@ -7031,7 +7031,7 @@
         </p:cxnSp>
         <p:cxnSp>
           <p:nvCxnSpPr>
-            <p:cNvPr id="763" name="Connecteur droit 762"/>
+            <p:cNvPr id="252" name="Connecteur droit 251"/>
             <p:cNvCxnSpPr/>
             <p:nvPr/>
           </p:nvCxnSpPr>
@@ -7066,7 +7066,7 @@
         </p:cxnSp>
         <p:cxnSp>
           <p:nvCxnSpPr>
-            <p:cNvPr id="764" name="Connecteur droit 763"/>
+            <p:cNvPr id="253" name="Connecteur droit 252"/>
             <p:cNvCxnSpPr/>
             <p:nvPr/>
           </p:nvCxnSpPr>
@@ -7101,7 +7101,7 @@
         </p:cxnSp>
         <p:cxnSp>
           <p:nvCxnSpPr>
-            <p:cNvPr id="765" name="Connecteur droit 764"/>
+            <p:cNvPr id="254" name="Connecteur droit 253"/>
             <p:cNvCxnSpPr/>
             <p:nvPr/>
           </p:nvCxnSpPr>
@@ -7136,7 +7136,7 @@
         </p:cxnSp>
         <p:cxnSp>
           <p:nvCxnSpPr>
-            <p:cNvPr id="766" name="Connecteur droit 765"/>
+            <p:cNvPr id="255" name="Connecteur droit 254"/>
             <p:cNvCxnSpPr/>
             <p:nvPr/>
           </p:nvCxnSpPr>
@@ -7171,7 +7171,7 @@
         </p:cxnSp>
         <p:sp>
           <p:nvSpPr>
-            <p:cNvPr id="767" name="Rectangle 766"/>
+            <p:cNvPr id="256" name="Rectangle 255"/>
             <p:cNvSpPr/>
             <p:nvPr/>
           </p:nvSpPr>
@@ -7203,7 +7203,7 @@
         </p:sp>
         <p:sp>
           <p:nvSpPr>
-            <p:cNvPr id="768" name="Rectangle 767"/>
+            <p:cNvPr id="257" name="Rectangle 256"/>
             <p:cNvSpPr/>
             <p:nvPr/>
           </p:nvSpPr>
@@ -7235,7 +7235,7 @@
         </p:sp>
         <p:sp>
           <p:nvSpPr>
-            <p:cNvPr id="769" name="Rectangle 768"/>
+            <p:cNvPr id="258" name="Rectangle 257"/>
             <p:cNvSpPr/>
             <p:nvPr/>
           </p:nvSpPr>
@@ -7267,7 +7267,7 @@
         </p:sp>
         <p:sp>
           <p:nvSpPr>
-            <p:cNvPr id="770" name="Rectangle 769"/>
+            <p:cNvPr id="259" name="Rectangle 258"/>
             <p:cNvSpPr/>
             <p:nvPr/>
           </p:nvSpPr>
@@ -7299,7 +7299,7 @@
         </p:sp>
         <p:sp>
           <p:nvSpPr>
-            <p:cNvPr id="771" name="Rectangle 770"/>
+            <p:cNvPr id="260" name="Rectangle 259"/>
             <p:cNvSpPr/>
             <p:nvPr/>
           </p:nvSpPr>
@@ -7331,7 +7331,7 @@
         </p:sp>
         <p:sp>
           <p:nvSpPr>
-            <p:cNvPr id="772" name="Rectangle 771"/>
+            <p:cNvPr id="261" name="Rectangle 260"/>
             <p:cNvSpPr/>
             <p:nvPr/>
           </p:nvSpPr>
@@ -7370,7 +7370,7 @@
         </p:sp>
         <p:sp>
           <p:nvSpPr>
-            <p:cNvPr id="773" name="Rectangle 772"/>
+            <p:cNvPr id="262" name="Rectangle 261"/>
             <p:cNvSpPr/>
             <p:nvPr/>
           </p:nvSpPr>
@@ -7409,7 +7409,7 @@
         </p:sp>
         <p:sp>
           <p:nvSpPr>
-            <p:cNvPr id="774" name="Rectangle 773"/>
+            <p:cNvPr id="263" name="Rectangle 262"/>
             <p:cNvSpPr/>
             <p:nvPr/>
           </p:nvSpPr>
@@ -7448,7 +7448,7 @@
         </p:sp>
         <p:sp>
           <p:nvSpPr>
-            <p:cNvPr id="775" name="Rectangle 774"/>
+            <p:cNvPr id="264" name="Rectangle 263"/>
             <p:cNvSpPr/>
             <p:nvPr/>
           </p:nvSpPr>
@@ -7487,7 +7487,7 @@
         </p:sp>
         <p:sp>
           <p:nvSpPr>
-            <p:cNvPr id="776" name="Rectangle 775"/>
+            <p:cNvPr id="265" name="Rectangle 264"/>
             <p:cNvSpPr/>
             <p:nvPr/>
           </p:nvSpPr>
@@ -7526,7 +7526,7 @@
         </p:sp>
         <p:sp>
           <p:nvSpPr>
-            <p:cNvPr id="777" name="Line 17"/>
+            <p:cNvPr id="266" name="Line 17"/>
             <p:cNvSpPr>
               <a:spLocks noChangeShapeType="1"/>
             </p:cNvSpPr>
@@ -7575,7 +7575,7 @@
         </p:sp>
         <p:sp>
           <p:nvSpPr>
-            <p:cNvPr id="778" name="Line 17"/>
+            <p:cNvPr id="267" name="Line 17"/>
             <p:cNvSpPr>
               <a:spLocks noChangeShapeType="1"/>
             </p:cNvSpPr>
@@ -7624,7 +7624,7 @@
         </p:sp>
         <p:sp>
           <p:nvSpPr>
-            <p:cNvPr id="779" name="Line 17"/>
+            <p:cNvPr id="268" name="Line 17"/>
             <p:cNvSpPr>
               <a:spLocks noChangeShapeType="1"/>
             </p:cNvSpPr>
@@ -7673,7 +7673,7 @@
         </p:sp>
         <p:sp>
           <p:nvSpPr>
-            <p:cNvPr id="780" name="Line 17"/>
+            <p:cNvPr id="269" name="Line 17"/>
             <p:cNvSpPr>
               <a:spLocks noChangeShapeType="1"/>
             </p:cNvSpPr>
@@ -7724,7 +7724,7 @@
         </p:sp>
         <p:sp>
           <p:nvSpPr>
-            <p:cNvPr id="781" name="Line 17"/>
+            <p:cNvPr id="270" name="Line 17"/>
             <p:cNvSpPr>
               <a:spLocks noChangeShapeType="1"/>
             </p:cNvSpPr>
@@ -7775,7 +7775,7 @@
         </p:sp>
         <p:sp>
           <p:nvSpPr>
-            <p:cNvPr id="782" name="Line 17"/>
+            <p:cNvPr id="271" name="Line 17"/>
             <p:cNvSpPr>
               <a:spLocks noChangeShapeType="1"/>
             </p:cNvSpPr>
@@ -7826,7 +7826,7 @@
         </p:sp>
         <p:sp>
           <p:nvSpPr>
-            <p:cNvPr id="783" name="Line 17"/>
+            <p:cNvPr id="272" name="Line 17"/>
             <p:cNvSpPr>
               <a:spLocks noChangeShapeType="1"/>
             </p:cNvSpPr>
@@ -7877,7 +7877,7 @@
         </p:sp>
         <p:sp>
           <p:nvSpPr>
-            <p:cNvPr id="784" name="Line 17"/>
+            <p:cNvPr id="273" name="Line 17"/>
             <p:cNvSpPr>
               <a:spLocks noChangeShapeType="1"/>
             </p:cNvSpPr>
@@ -7928,7 +7928,7 @@
         </p:sp>
         <p:sp>
           <p:nvSpPr>
-            <p:cNvPr id="785" name="Line 17"/>
+            <p:cNvPr id="274" name="Line 17"/>
             <p:cNvSpPr>
               <a:spLocks noChangeShapeType="1"/>
             </p:cNvSpPr>
@@ -7977,7 +7977,7 @@
         </p:sp>
         <p:sp>
           <p:nvSpPr>
-            <p:cNvPr id="786" name="Line 17"/>
+            <p:cNvPr id="275" name="Line 17"/>
             <p:cNvSpPr>
               <a:spLocks noChangeShapeType="1"/>
             </p:cNvSpPr>
@@ -8026,7 +8026,7 @@
         </p:sp>
         <p:sp>
           <p:nvSpPr>
-            <p:cNvPr id="787" name="Line 17"/>
+            <p:cNvPr id="276" name="Line 17"/>
             <p:cNvSpPr>
               <a:spLocks noChangeShapeType="1"/>
             </p:cNvSpPr>
@@ -8075,7 +8075,7 @@
         </p:sp>
         <p:sp>
           <p:nvSpPr>
-            <p:cNvPr id="788" name="Line 17"/>
+            <p:cNvPr id="277" name="Line 17"/>
             <p:cNvSpPr>
               <a:spLocks noChangeShapeType="1"/>
             </p:cNvSpPr>
@@ -8124,7 +8124,7 @@
         </p:sp>
         <p:sp>
           <p:nvSpPr>
-            <p:cNvPr id="789" name="ZoneTexte 788"/>
+            <p:cNvPr id="278" name="ZoneTexte 277"/>
             <p:cNvSpPr txBox="1"/>
             <p:nvPr/>
           </p:nvSpPr>
@@ -8176,7 +8176,7 @@
         </p:sp>
         <p:sp>
           <p:nvSpPr>
-            <p:cNvPr id="790" name="ZoneTexte 789"/>
+            <p:cNvPr id="279" name="ZoneTexte 278"/>
             <p:cNvSpPr txBox="1"/>
             <p:nvPr/>
           </p:nvSpPr>
@@ -8228,7 +8228,7 @@
         </p:sp>
         <p:cxnSp>
           <p:nvCxnSpPr>
-            <p:cNvPr id="791" name="Connecteur droit avec flèche 790"/>
+            <p:cNvPr id="280" name="Connecteur droit avec flèche 279"/>
             <p:cNvCxnSpPr/>
             <p:nvPr/>
           </p:nvCxnSpPr>
@@ -8265,7 +8265,7 @@
         </p:cxnSp>
         <p:sp>
           <p:nvSpPr>
-            <p:cNvPr id="792" name="Line 17"/>
+            <p:cNvPr id="281" name="Line 17"/>
             <p:cNvSpPr>
               <a:spLocks noChangeShapeType="1"/>
             </p:cNvSpPr>
@@ -8317,7 +8317,7 @@
         </p:sp>
         <p:sp>
           <p:nvSpPr>
-            <p:cNvPr id="793" name="Line 17"/>
+            <p:cNvPr id="282" name="Line 17"/>
             <p:cNvSpPr>
               <a:spLocks noChangeShapeType="1"/>
             </p:cNvSpPr>
@@ -8366,7 +8366,7 @@
         </p:sp>
         <p:sp>
           <p:nvSpPr>
-            <p:cNvPr id="794" name="Line 17"/>
+            <p:cNvPr id="283" name="Line 17"/>
             <p:cNvSpPr>
               <a:spLocks noChangeShapeType="1"/>
             </p:cNvSpPr>
@@ -8418,7 +8418,7 @@
         </p:sp>
         <p:sp>
           <p:nvSpPr>
-            <p:cNvPr id="795" name="Line 17"/>
+            <p:cNvPr id="284" name="Line 17"/>
             <p:cNvSpPr>
               <a:spLocks noChangeShapeType="1"/>
             </p:cNvSpPr>
@@ -8469,7 +8469,7 @@
         </p:sp>
         <p:sp>
           <p:nvSpPr>
-            <p:cNvPr id="796" name="Line 17"/>
+            <p:cNvPr id="285" name="Line 17"/>
             <p:cNvSpPr>
               <a:spLocks noChangeShapeType="1"/>
             </p:cNvSpPr>
@@ -8520,7 +8520,7 @@
         </p:sp>
         <p:sp>
           <p:nvSpPr>
-            <p:cNvPr id="797" name="Line 17"/>
+            <p:cNvPr id="286" name="Line 17"/>
             <p:cNvSpPr>
               <a:spLocks noChangeShapeType="1"/>
             </p:cNvSpPr>
@@ -8571,7 +8571,7 @@
         </p:sp>
         <p:sp>
           <p:nvSpPr>
-            <p:cNvPr id="798" name="Line 17"/>
+            <p:cNvPr id="287" name="Line 17"/>
             <p:cNvSpPr>
               <a:spLocks noChangeShapeType="1"/>
             </p:cNvSpPr>
@@ -8622,7 +8622,7 @@
         </p:sp>
         <p:sp>
           <p:nvSpPr>
-            <p:cNvPr id="799" name="Line 17"/>
+            <p:cNvPr id="288" name="Line 17"/>
             <p:cNvSpPr>
               <a:spLocks noChangeShapeType="1"/>
             </p:cNvSpPr>
@@ -8673,7 +8673,7 @@
         </p:sp>
         <p:cxnSp>
           <p:nvCxnSpPr>
-            <p:cNvPr id="800" name="Connecteur droit avec flèche 799"/>
+            <p:cNvPr id="289" name="Connecteur droit avec flèche 288"/>
             <p:cNvCxnSpPr/>
             <p:nvPr/>
           </p:nvCxnSpPr>
@@ -8711,13 +8711,13 @@
       </p:grpSp>
       <p:grpSp>
         <p:nvGrpSpPr>
-          <p:cNvPr id="801" name="Groupe 800"/>
+          <p:cNvPr id="290" name="Groupe 289"/>
           <p:cNvGrpSpPr/>
           <p:nvPr/>
         </p:nvGrpSpPr>
         <p:grpSpPr>
           <a:xfrm>
-            <a:off x="4595237" y="4729757"/>
+            <a:off x="4595237" y="4694311"/>
             <a:ext cx="2146131" cy="2387458"/>
             <a:chOff x="4509120" y="5171241"/>
             <a:chExt cx="2146131" cy="2387458"/>
@@ -8725,14 +8725,14 @@
         </p:grpSpPr>
         <p:graphicFrame>
           <p:nvGraphicFramePr>
-            <p:cNvPr id="802" name="Objet 801"/>
+            <p:cNvPr id="291" name="Objet 290"/>
             <p:cNvGraphicFramePr>
               <a:graphicFrameLocks noChangeAspect="1"/>
             </p:cNvGraphicFramePr>
             <p:nvPr>
               <p:extLst>
                 <p:ext uri="{D42A27DB-BD31-4B8C-83A1-F6EECF244321}">
-                  <p14:modId xmlns:p14="http://schemas.microsoft.com/office/powerpoint/2010/main" val="1530168533"/>
+                  <p14:modId xmlns:p14="http://schemas.microsoft.com/office/powerpoint/2010/main" val="2595815313"/>
                 </p:ext>
               </p:extLst>
             </p:nvPr>
@@ -8745,7 +8745,7 @@
             <a:graphicData uri="http://schemas.openxmlformats.org/presentationml/2006/ole">
               <mc:AlternateContent xmlns:mc="http://schemas.openxmlformats.org/markup-compatibility/2006">
                 <mc:Choice xmlns:v="urn:schemas-microsoft-com:vml" Requires="v">
-                  <p:oleObj spid="_x0000_s1245" name="Équation" r:id="rId14" imgW="406080" imgH="253800" progId="Equation.3">
+                  <p:oleObj spid="_x0000_s1251" name="Équation" r:id="rId14" imgW="406080" imgH="253800" progId="Equation.3">
                     <p:embed/>
                   </p:oleObj>
                 </mc:Choice>
@@ -8790,7 +8790,7 @@
         </p:graphicFrame>
         <p:sp>
           <p:nvSpPr>
-            <p:cNvPr id="803" name="Line 17"/>
+            <p:cNvPr id="292" name="Line 17"/>
             <p:cNvSpPr>
               <a:spLocks noChangeShapeType="1"/>
             </p:cNvSpPr>
@@ -8841,7 +8841,7 @@
         </p:sp>
         <p:sp>
           <p:nvSpPr>
-            <p:cNvPr id="804" name="Line 17"/>
+            <p:cNvPr id="293" name="Line 17"/>
             <p:cNvSpPr>
               <a:spLocks noChangeShapeType="1"/>
             </p:cNvSpPr>
@@ -8892,7 +8892,7 @@
         </p:sp>
         <p:sp>
           <p:nvSpPr>
-            <p:cNvPr id="805" name="Line 17"/>
+            <p:cNvPr id="294" name="Line 17"/>
             <p:cNvSpPr>
               <a:spLocks noChangeShapeType="1"/>
             </p:cNvSpPr>
@@ -8943,7 +8943,7 @@
         </p:sp>
         <p:sp>
           <p:nvSpPr>
-            <p:cNvPr id="806" name="Line 17"/>
+            <p:cNvPr id="295" name="Line 17"/>
             <p:cNvSpPr>
               <a:spLocks noChangeShapeType="1"/>
             </p:cNvSpPr>
@@ -8994,7 +8994,7 @@
         </p:sp>
         <p:sp>
           <p:nvSpPr>
-            <p:cNvPr id="807" name="Line 17"/>
+            <p:cNvPr id="296" name="Line 17"/>
             <p:cNvSpPr>
               <a:spLocks noChangeShapeType="1"/>
             </p:cNvSpPr>
@@ -9045,7 +9045,7 @@
         </p:sp>
         <p:sp>
           <p:nvSpPr>
-            <p:cNvPr id="808" name="Line 17"/>
+            <p:cNvPr id="297" name="Line 17"/>
             <p:cNvSpPr>
               <a:spLocks noChangeShapeType="1"/>
             </p:cNvSpPr>
@@ -9096,7 +9096,7 @@
         </p:sp>
         <p:sp>
           <p:nvSpPr>
-            <p:cNvPr id="809" name="Line 17"/>
+            <p:cNvPr id="298" name="Line 17"/>
             <p:cNvSpPr>
               <a:spLocks noChangeShapeType="1"/>
             </p:cNvSpPr>
@@ -9147,7 +9147,7 @@
         </p:sp>
         <p:sp>
           <p:nvSpPr>
-            <p:cNvPr id="810" name="Rectangle 809"/>
+            <p:cNvPr id="299" name="Rectangle 298"/>
             <p:cNvSpPr/>
             <p:nvPr/>
           </p:nvSpPr>
@@ -9179,9 +9179,9 @@
         </p:sp>
         <p:cxnSp>
           <p:nvCxnSpPr>
-            <p:cNvPr id="811" name="Connecteur droit avec flèche 810"/>
+            <p:cNvPr id="300" name="Connecteur droit avec flèche 299"/>
             <p:cNvCxnSpPr>
-              <a:stCxn id="821" idx="0"/>
+              <a:stCxn id="310" idx="0"/>
             </p:cNvCxnSpPr>
             <p:nvPr/>
           </p:nvCxnSpPr>
@@ -9217,7 +9217,7 @@
         </p:cxnSp>
         <p:cxnSp>
           <p:nvCxnSpPr>
-            <p:cNvPr id="812" name="Connecteur droit avec flèche 811"/>
+            <p:cNvPr id="301" name="Connecteur droit avec flèche 300"/>
             <p:cNvCxnSpPr/>
             <p:nvPr/>
           </p:nvCxnSpPr>
@@ -9253,7 +9253,7 @@
         </p:cxnSp>
         <p:cxnSp>
           <p:nvCxnSpPr>
-            <p:cNvPr id="813" name="Connecteur droit 812"/>
+            <p:cNvPr id="302" name="Connecteur droit 301"/>
             <p:cNvCxnSpPr/>
             <p:nvPr/>
           </p:nvCxnSpPr>
@@ -9288,7 +9288,7 @@
         </p:cxnSp>
         <p:cxnSp>
           <p:nvCxnSpPr>
-            <p:cNvPr id="814" name="Connecteur droit 813"/>
+            <p:cNvPr id="303" name="Connecteur droit 302"/>
             <p:cNvCxnSpPr/>
             <p:nvPr/>
           </p:nvCxnSpPr>
@@ -9323,7 +9323,7 @@
         </p:cxnSp>
         <p:cxnSp>
           <p:nvCxnSpPr>
-            <p:cNvPr id="815" name="Connecteur droit 814"/>
+            <p:cNvPr id="304" name="Connecteur droit 303"/>
             <p:cNvCxnSpPr/>
             <p:nvPr/>
           </p:nvCxnSpPr>
@@ -9358,7 +9358,7 @@
         </p:cxnSp>
         <p:cxnSp>
           <p:nvCxnSpPr>
-            <p:cNvPr id="816" name="Connecteur droit 815"/>
+            <p:cNvPr id="305" name="Connecteur droit 304"/>
             <p:cNvCxnSpPr/>
             <p:nvPr/>
           </p:nvCxnSpPr>
@@ -9393,7 +9393,7 @@
         </p:cxnSp>
         <p:cxnSp>
           <p:nvCxnSpPr>
-            <p:cNvPr id="817" name="Connecteur droit 816"/>
+            <p:cNvPr id="306" name="Connecteur droit 305"/>
             <p:cNvCxnSpPr/>
             <p:nvPr/>
           </p:nvCxnSpPr>
@@ -9428,7 +9428,7 @@
         </p:cxnSp>
         <p:cxnSp>
           <p:nvCxnSpPr>
-            <p:cNvPr id="818" name="Connecteur droit 817"/>
+            <p:cNvPr id="307" name="Connecteur droit 306"/>
             <p:cNvCxnSpPr/>
             <p:nvPr/>
           </p:nvCxnSpPr>
@@ -9463,7 +9463,7 @@
         </p:cxnSp>
         <p:cxnSp>
           <p:nvCxnSpPr>
-            <p:cNvPr id="819" name="Connecteur droit 818"/>
+            <p:cNvPr id="308" name="Connecteur droit 307"/>
             <p:cNvCxnSpPr/>
             <p:nvPr/>
           </p:nvCxnSpPr>
@@ -9498,7 +9498,7 @@
         </p:cxnSp>
         <p:cxnSp>
           <p:nvCxnSpPr>
-            <p:cNvPr id="820" name="Connecteur droit 819"/>
+            <p:cNvPr id="309" name="Connecteur droit 308"/>
             <p:cNvCxnSpPr/>
             <p:nvPr/>
           </p:nvCxnSpPr>
@@ -9533,7 +9533,7 @@
         </p:cxnSp>
         <p:sp>
           <p:nvSpPr>
-            <p:cNvPr id="821" name="Rectangle 820"/>
+            <p:cNvPr id="310" name="Rectangle 309"/>
             <p:cNvSpPr/>
             <p:nvPr/>
           </p:nvSpPr>
@@ -9565,7 +9565,7 @@
         </p:sp>
         <p:sp>
           <p:nvSpPr>
-            <p:cNvPr id="822" name="Rectangle 821"/>
+            <p:cNvPr id="311" name="Rectangle 310"/>
             <p:cNvSpPr/>
             <p:nvPr/>
           </p:nvSpPr>
@@ -9597,7 +9597,7 @@
         </p:sp>
         <p:sp>
           <p:nvSpPr>
-            <p:cNvPr id="823" name="Rectangle 822"/>
+            <p:cNvPr id="312" name="Rectangle 311"/>
             <p:cNvSpPr/>
             <p:nvPr/>
           </p:nvSpPr>
@@ -9629,7 +9629,7 @@
         </p:sp>
         <p:sp>
           <p:nvSpPr>
-            <p:cNvPr id="824" name="Rectangle 823"/>
+            <p:cNvPr id="313" name="Rectangle 312"/>
             <p:cNvSpPr/>
             <p:nvPr/>
           </p:nvSpPr>
@@ -9661,7 +9661,7 @@
         </p:sp>
         <p:sp>
           <p:nvSpPr>
-            <p:cNvPr id="825" name="Rectangle 824"/>
+            <p:cNvPr id="314" name="Rectangle 313"/>
             <p:cNvSpPr/>
             <p:nvPr/>
           </p:nvSpPr>
@@ -9693,7 +9693,7 @@
         </p:sp>
         <p:sp>
           <p:nvSpPr>
-            <p:cNvPr id="826" name="Rectangle 825"/>
+            <p:cNvPr id="315" name="Rectangle 314"/>
             <p:cNvSpPr/>
             <p:nvPr/>
           </p:nvSpPr>
@@ -9732,7 +9732,7 @@
         </p:sp>
         <p:sp>
           <p:nvSpPr>
-            <p:cNvPr id="827" name="Rectangle 826"/>
+            <p:cNvPr id="316" name="Rectangle 315"/>
             <p:cNvSpPr/>
             <p:nvPr/>
           </p:nvSpPr>
@@ -9771,7 +9771,7 @@
         </p:sp>
         <p:sp>
           <p:nvSpPr>
-            <p:cNvPr id="828" name="Rectangle 827"/>
+            <p:cNvPr id="317" name="Rectangle 316"/>
             <p:cNvSpPr/>
             <p:nvPr/>
           </p:nvSpPr>
@@ -9810,7 +9810,7 @@
         </p:sp>
         <p:sp>
           <p:nvSpPr>
-            <p:cNvPr id="829" name="Rectangle 828"/>
+            <p:cNvPr id="318" name="Rectangle 317"/>
             <p:cNvSpPr/>
             <p:nvPr/>
           </p:nvSpPr>
@@ -9849,7 +9849,7 @@
         </p:sp>
         <p:sp>
           <p:nvSpPr>
-            <p:cNvPr id="830" name="Rectangle 829"/>
+            <p:cNvPr id="319" name="Rectangle 318"/>
             <p:cNvSpPr/>
             <p:nvPr/>
           </p:nvSpPr>
@@ -9888,7 +9888,7 @@
         </p:sp>
         <p:sp>
           <p:nvSpPr>
-            <p:cNvPr id="831" name="Line 17"/>
+            <p:cNvPr id="320" name="Line 17"/>
             <p:cNvSpPr>
               <a:spLocks noChangeShapeType="1"/>
             </p:cNvSpPr>
@@ -9937,7 +9937,7 @@
         </p:sp>
         <p:sp>
           <p:nvSpPr>
-            <p:cNvPr id="832" name="Line 17"/>
+            <p:cNvPr id="321" name="Line 17"/>
             <p:cNvSpPr>
               <a:spLocks noChangeShapeType="1"/>
             </p:cNvSpPr>
@@ -9986,7 +9986,7 @@
         </p:sp>
         <p:sp>
           <p:nvSpPr>
-            <p:cNvPr id="833" name="Line 17"/>
+            <p:cNvPr id="322" name="Line 17"/>
             <p:cNvSpPr>
               <a:spLocks noChangeShapeType="1"/>
             </p:cNvSpPr>
@@ -10035,7 +10035,7 @@
         </p:sp>
         <p:sp>
           <p:nvSpPr>
-            <p:cNvPr id="834" name="Line 17"/>
+            <p:cNvPr id="323" name="Line 17"/>
             <p:cNvSpPr>
               <a:spLocks noChangeShapeType="1"/>
             </p:cNvSpPr>
@@ -10086,7 +10086,7 @@
         </p:sp>
         <p:sp>
           <p:nvSpPr>
-            <p:cNvPr id="835" name="Line 17"/>
+            <p:cNvPr id="324" name="Line 17"/>
             <p:cNvSpPr>
               <a:spLocks noChangeShapeType="1"/>
             </p:cNvSpPr>
@@ -10137,7 +10137,7 @@
         </p:sp>
         <p:sp>
           <p:nvSpPr>
-            <p:cNvPr id="836" name="Line 17"/>
+            <p:cNvPr id="325" name="Line 17"/>
             <p:cNvSpPr>
               <a:spLocks noChangeShapeType="1"/>
             </p:cNvSpPr>
@@ -10188,7 +10188,7 @@
         </p:sp>
         <p:sp>
           <p:nvSpPr>
-            <p:cNvPr id="837" name="Line 17"/>
+            <p:cNvPr id="326" name="Line 17"/>
             <p:cNvSpPr>
               <a:spLocks noChangeShapeType="1"/>
             </p:cNvSpPr>
@@ -10239,7 +10239,7 @@
         </p:sp>
         <p:sp>
           <p:nvSpPr>
-            <p:cNvPr id="838" name="Line 17"/>
+            <p:cNvPr id="327" name="Line 17"/>
             <p:cNvSpPr>
               <a:spLocks noChangeShapeType="1"/>
             </p:cNvSpPr>
@@ -10290,7 +10290,7 @@
         </p:sp>
         <p:sp>
           <p:nvSpPr>
-            <p:cNvPr id="839" name="Line 17"/>
+            <p:cNvPr id="328" name="Line 17"/>
             <p:cNvSpPr>
               <a:spLocks noChangeShapeType="1"/>
             </p:cNvSpPr>
@@ -10339,7 +10339,7 @@
         </p:sp>
         <p:sp>
           <p:nvSpPr>
-            <p:cNvPr id="840" name="Line 17"/>
+            <p:cNvPr id="329" name="Line 17"/>
             <p:cNvSpPr>
               <a:spLocks noChangeShapeType="1"/>
             </p:cNvSpPr>
@@ -10388,7 +10388,7 @@
         </p:sp>
         <p:sp>
           <p:nvSpPr>
-            <p:cNvPr id="841" name="Line 17"/>
+            <p:cNvPr id="330" name="Line 17"/>
             <p:cNvSpPr>
               <a:spLocks noChangeShapeType="1"/>
             </p:cNvSpPr>
@@ -10437,7 +10437,7 @@
         </p:sp>
         <p:sp>
           <p:nvSpPr>
-            <p:cNvPr id="842" name="Line 17"/>
+            <p:cNvPr id="331" name="Line 17"/>
             <p:cNvSpPr>
               <a:spLocks noChangeShapeType="1"/>
             </p:cNvSpPr>
@@ -10486,7 +10486,7 @@
         </p:sp>
         <p:sp>
           <p:nvSpPr>
-            <p:cNvPr id="843" name="ZoneTexte 842"/>
+            <p:cNvPr id="332" name="ZoneTexte 331"/>
             <p:cNvSpPr txBox="1"/>
             <p:nvPr/>
           </p:nvSpPr>
@@ -10538,7 +10538,7 @@
         </p:sp>
         <p:sp>
           <p:nvSpPr>
-            <p:cNvPr id="844" name="ZoneTexte 843"/>
+            <p:cNvPr id="333" name="ZoneTexte 332"/>
             <p:cNvSpPr txBox="1"/>
             <p:nvPr/>
           </p:nvSpPr>
@@ -10590,7 +10590,7 @@
         </p:sp>
         <p:cxnSp>
           <p:nvCxnSpPr>
-            <p:cNvPr id="845" name="Connecteur droit avec flèche 844"/>
+            <p:cNvPr id="334" name="Connecteur droit avec flèche 333"/>
             <p:cNvCxnSpPr/>
             <p:nvPr/>
           </p:nvCxnSpPr>
@@ -10627,7 +10627,7 @@
         </p:cxnSp>
         <p:sp>
           <p:nvSpPr>
-            <p:cNvPr id="846" name="Line 17"/>
+            <p:cNvPr id="335" name="Line 17"/>
             <p:cNvSpPr>
               <a:spLocks noChangeShapeType="1"/>
             </p:cNvSpPr>
@@ -10679,7 +10679,7 @@
         </p:sp>
         <p:sp>
           <p:nvSpPr>
-            <p:cNvPr id="847" name="Line 17"/>
+            <p:cNvPr id="336" name="Line 17"/>
             <p:cNvSpPr>
               <a:spLocks noChangeShapeType="1"/>
             </p:cNvSpPr>
@@ -10728,7 +10728,7 @@
         </p:sp>
         <p:sp>
           <p:nvSpPr>
-            <p:cNvPr id="848" name="Line 17"/>
+            <p:cNvPr id="337" name="Line 17"/>
             <p:cNvSpPr>
               <a:spLocks noChangeShapeType="1"/>
             </p:cNvSpPr>
@@ -10780,7 +10780,7 @@
         </p:sp>
         <p:sp>
           <p:nvSpPr>
-            <p:cNvPr id="849" name="Line 17"/>
+            <p:cNvPr id="338" name="Line 17"/>
             <p:cNvSpPr>
               <a:spLocks noChangeShapeType="1"/>
             </p:cNvSpPr>
@@ -10831,7 +10831,7 @@
         </p:sp>
         <p:sp>
           <p:nvSpPr>
-            <p:cNvPr id="850" name="Line 17"/>
+            <p:cNvPr id="339" name="Line 17"/>
             <p:cNvSpPr>
               <a:spLocks noChangeShapeType="1"/>
             </p:cNvSpPr>
@@ -10882,7 +10882,7 @@
         </p:sp>
         <p:sp>
           <p:nvSpPr>
-            <p:cNvPr id="851" name="Line 17"/>
+            <p:cNvPr id="340" name="Line 17"/>
             <p:cNvSpPr>
               <a:spLocks noChangeShapeType="1"/>
             </p:cNvSpPr>
@@ -10933,7 +10933,7 @@
         </p:sp>
         <p:sp>
           <p:nvSpPr>
-            <p:cNvPr id="852" name="Line 17"/>
+            <p:cNvPr id="341" name="Line 17"/>
             <p:cNvSpPr>
               <a:spLocks noChangeShapeType="1"/>
             </p:cNvSpPr>
@@ -10984,7 +10984,7 @@
         </p:sp>
         <p:sp>
           <p:nvSpPr>
-            <p:cNvPr id="853" name="Line 17"/>
+            <p:cNvPr id="342" name="Line 17"/>
             <p:cNvSpPr>
               <a:spLocks noChangeShapeType="1"/>
             </p:cNvSpPr>
@@ -11035,7 +11035,7 @@
         </p:sp>
         <p:cxnSp>
           <p:nvCxnSpPr>
-            <p:cNvPr id="854" name="Connecteur droit avec flèche 853"/>
+            <p:cNvPr id="343" name="Connecteur droit avec flèche 342"/>
             <p:cNvCxnSpPr/>
             <p:nvPr/>
           </p:nvCxnSpPr>
@@ -11071,6 +11071,184 @@
           </p:style>
         </p:cxnSp>
       </p:grpSp>
+      <p:pic>
+        <p:nvPicPr>
+          <p:cNvPr id="344" name="Picture 160"/>
+          <p:cNvPicPr>
+            <a:picLocks noChangeAspect="1" noChangeArrowheads="1"/>
+          </p:cNvPicPr>
+          <p:nvPr/>
+        </p:nvPicPr>
+        <p:blipFill rotWithShape="1">
+          <a:blip r:embed="rId16" cstate="print">
+            <a:extLst>
+              <a:ext uri="{28A0092B-C50C-407E-A947-70E740481C1C}">
+                <a14:useLocalDpi xmlns:a14="http://schemas.microsoft.com/office/drawing/2010/main" val="0"/>
+              </a:ext>
+            </a:extLst>
+          </a:blip>
+          <a:srcRect l="218" t="5035" r="12865" b="744"/>
+          <a:stretch/>
+        </p:blipFill>
+        <p:spPr bwMode="auto">
+          <a:xfrm>
+            <a:off x="66452" y="1692910"/>
+            <a:ext cx="1860469" cy="2357125"/>
+          </a:xfrm>
+          <a:prstGeom prst="rect">
+            <a:avLst/>
+          </a:prstGeom>
+          <a:noFill/>
+          <a:ln>
+            <a:noFill/>
+          </a:ln>
+          <a:extLst>
+            <a:ext uri="{909E8E84-426E-40DD-AFC4-6F175D3DCCD1}">
+              <a14:hiddenFill xmlns:a14="http://schemas.microsoft.com/office/drawing/2010/main">
+                <a:solidFill>
+                  <a:schemeClr val="accent1"/>
+                </a:solidFill>
+              </a14:hiddenFill>
+            </a:ext>
+            <a:ext uri="{91240B29-F687-4F45-9708-019B960494DF}">
+              <a14:hiddenLine xmlns:a14="http://schemas.microsoft.com/office/drawing/2010/main" w="9525">
+                <a:solidFill>
+                  <a:schemeClr val="tx1"/>
+                </a:solidFill>
+                <a:miter lim="800000"/>
+                <a:headEnd/>
+                <a:tailEnd/>
+              </a14:hiddenLine>
+            </a:ext>
+          </a:extLst>
+        </p:spPr>
+      </p:pic>
+      <p:sp>
+        <p:nvSpPr>
+          <p:cNvPr id="345" name="ZoneTexte 344"/>
+          <p:cNvSpPr txBox="1"/>
+          <p:nvPr/>
+        </p:nvSpPr>
+        <p:spPr>
+          <a:xfrm>
+            <a:off x="1563724" y="3059613"/>
+            <a:ext cx="425116" cy="338554"/>
+          </a:xfrm>
+          <a:prstGeom prst="rect">
+            <a:avLst/>
+          </a:prstGeom>
+          <a:noFill/>
+        </p:spPr>
+        <p:txBody>
+          <a:bodyPr wrap="none" rtlCol="0">
+            <a:spAutoFit/>
+          </a:bodyPr>
+          <a:lstStyle/>
+          <a:p>
+            <a:r>
+              <a:rPr lang="fr-FR" sz="1600" b="1" dirty="0" smtClean="0">
+                <a:solidFill>
+                  <a:schemeClr val="bg1"/>
+                </a:solidFill>
+                <a:latin typeface="Times New Roman" panose="02020603050405020304" pitchFamily="18" charset="0"/>
+                <a:cs typeface="Times New Roman" panose="02020603050405020304" pitchFamily="18" charset="0"/>
+              </a:rPr>
+              <a:t>(1)</a:t>
+            </a:r>
+            <a:endParaRPr lang="en-US" sz="1600" b="1" dirty="0">
+              <a:solidFill>
+                <a:schemeClr val="bg1"/>
+              </a:solidFill>
+              <a:latin typeface="Times New Roman" panose="02020603050405020304" pitchFamily="18" charset="0"/>
+              <a:cs typeface="Times New Roman" panose="02020603050405020304" pitchFamily="18" charset="0"/>
+            </a:endParaRPr>
+          </a:p>
+        </p:txBody>
+      </p:sp>
+      <p:sp>
+        <p:nvSpPr>
+          <p:cNvPr id="346" name="ZoneTexte 345"/>
+          <p:cNvSpPr txBox="1"/>
+          <p:nvPr/>
+        </p:nvSpPr>
+        <p:spPr>
+          <a:xfrm>
+            <a:off x="1059668" y="2483549"/>
+            <a:ext cx="425116" cy="338554"/>
+          </a:xfrm>
+          <a:prstGeom prst="rect">
+            <a:avLst/>
+          </a:prstGeom>
+          <a:noFill/>
+        </p:spPr>
+        <p:txBody>
+          <a:bodyPr wrap="none" rtlCol="0">
+            <a:spAutoFit/>
+          </a:bodyPr>
+          <a:lstStyle/>
+          <a:p>
+            <a:r>
+              <a:rPr lang="fr-FR" sz="1600" b="1" dirty="0" smtClean="0">
+                <a:solidFill>
+                  <a:schemeClr val="bg1"/>
+                </a:solidFill>
+                <a:latin typeface="Times New Roman" panose="02020603050405020304" pitchFamily="18" charset="0"/>
+                <a:cs typeface="Times New Roman" panose="02020603050405020304" pitchFamily="18" charset="0"/>
+              </a:rPr>
+              <a:t>(2)</a:t>
+            </a:r>
+            <a:endParaRPr lang="en-US" sz="1600" b="1" dirty="0">
+              <a:solidFill>
+                <a:schemeClr val="bg1"/>
+              </a:solidFill>
+              <a:latin typeface="Times New Roman" panose="02020603050405020304" pitchFamily="18" charset="0"/>
+              <a:cs typeface="Times New Roman" panose="02020603050405020304" pitchFamily="18" charset="0"/>
+            </a:endParaRPr>
+          </a:p>
+        </p:txBody>
+      </p:sp>
+      <p:sp>
+        <p:nvSpPr>
+          <p:cNvPr id="347" name="ZoneTexte 346"/>
+          <p:cNvSpPr txBox="1"/>
+          <p:nvPr/>
+        </p:nvSpPr>
+        <p:spPr>
+          <a:xfrm>
+            <a:off x="1412776" y="1979493"/>
+            <a:ext cx="425116" cy="338554"/>
+          </a:xfrm>
+          <a:prstGeom prst="rect">
+            <a:avLst/>
+          </a:prstGeom>
+          <a:noFill/>
+        </p:spPr>
+        <p:txBody>
+          <a:bodyPr wrap="none" rtlCol="0">
+            <a:spAutoFit/>
+          </a:bodyPr>
+          <a:lstStyle/>
+          <a:p>
+            <a:r>
+              <a:rPr lang="fr-FR" sz="1600" b="1" dirty="0" smtClean="0">
+                <a:solidFill>
+                  <a:schemeClr val="bg1"/>
+                </a:solidFill>
+                <a:latin typeface="Times New Roman" panose="02020603050405020304" pitchFamily="18" charset="0"/>
+                <a:cs typeface="Times New Roman" panose="02020603050405020304" pitchFamily="18" charset="0"/>
+              </a:rPr>
+              <a:t>(3)</a:t>
+            </a:r>
+            <a:endParaRPr lang="en-US" sz="1600" b="1" dirty="0">
+              <a:solidFill>
+                <a:schemeClr val="bg1"/>
+              </a:solidFill>
+              <a:latin typeface="Times New Roman" panose="02020603050405020304" pitchFamily="18" charset="0"/>
+              <a:cs typeface="Times New Roman" panose="02020603050405020304" pitchFamily="18" charset="0"/>
+            </a:endParaRPr>
+          </a:p>
+        </p:txBody>
+      </p:sp>
     </p:spTree>
     <p:extLst>
       <p:ext uri="{BB962C8B-B14F-4D97-AF65-F5344CB8AC3E}">

--- a/03-h-Mn/Pictures/Lambdasyst.pptx
+++ b/03-h-Mn/Pictures/Lambdasyst.pptx
@@ -192,7 +192,7 @@
           <a:p>
             <a:fld id="{A732596A-CC33-44AB-A517-CD91BCF05E15}" type="datetimeFigureOut">
               <a:rPr lang="en-US" smtClean="0"/>
-              <a:t>7/11/2017</a:t>
+              <a:t>10/16/2017</a:t>
             </a:fld>
             <a:endParaRPr lang="en-US"/>
           </a:p>
@@ -641,7 +641,7 @@
           <a:p>
             <a:fld id="{252CF840-51FB-49D9-ADDC-0C52DA34DC77}" type="datetimeFigureOut">
               <a:rPr lang="en-US" smtClean="0"/>
-              <a:t>7/11/2017</a:t>
+              <a:t>10/16/2017</a:t>
             </a:fld>
             <a:endParaRPr lang="en-US"/>
           </a:p>
@@ -811,7 +811,7 @@
           <a:p>
             <a:fld id="{252CF840-51FB-49D9-ADDC-0C52DA34DC77}" type="datetimeFigureOut">
               <a:rPr lang="en-US" smtClean="0"/>
-              <a:t>7/11/2017</a:t>
+              <a:t>10/16/2017</a:t>
             </a:fld>
             <a:endParaRPr lang="en-US"/>
           </a:p>
@@ -991,7 +991,7 @@
           <a:p>
             <a:fld id="{252CF840-51FB-49D9-ADDC-0C52DA34DC77}" type="datetimeFigureOut">
               <a:rPr lang="en-US" smtClean="0"/>
-              <a:t>7/11/2017</a:t>
+              <a:t>10/16/2017</a:t>
             </a:fld>
             <a:endParaRPr lang="en-US"/>
           </a:p>
@@ -1161,7 +1161,7 @@
           <a:p>
             <a:fld id="{252CF840-51FB-49D9-ADDC-0C52DA34DC77}" type="datetimeFigureOut">
               <a:rPr lang="en-US" smtClean="0"/>
-              <a:t>7/11/2017</a:t>
+              <a:t>10/16/2017</a:t>
             </a:fld>
             <a:endParaRPr lang="en-US"/>
           </a:p>
@@ -1407,7 +1407,7 @@
           <a:p>
             <a:fld id="{252CF840-51FB-49D9-ADDC-0C52DA34DC77}" type="datetimeFigureOut">
               <a:rPr lang="en-US" smtClean="0"/>
-              <a:t>7/11/2017</a:t>
+              <a:t>10/16/2017</a:t>
             </a:fld>
             <a:endParaRPr lang="en-US"/>
           </a:p>
@@ -1695,7 +1695,7 @@
           <a:p>
             <a:fld id="{252CF840-51FB-49D9-ADDC-0C52DA34DC77}" type="datetimeFigureOut">
               <a:rPr lang="en-US" smtClean="0"/>
-              <a:t>7/11/2017</a:t>
+              <a:t>10/16/2017</a:t>
             </a:fld>
             <a:endParaRPr lang="en-US"/>
           </a:p>
@@ -2117,7 +2117,7 @@
           <a:p>
             <a:fld id="{252CF840-51FB-49D9-ADDC-0C52DA34DC77}" type="datetimeFigureOut">
               <a:rPr lang="en-US" smtClean="0"/>
-              <a:t>7/11/2017</a:t>
+              <a:t>10/16/2017</a:t>
             </a:fld>
             <a:endParaRPr lang="en-US"/>
           </a:p>
@@ -2235,7 +2235,7 @@
           <a:p>
             <a:fld id="{252CF840-51FB-49D9-ADDC-0C52DA34DC77}" type="datetimeFigureOut">
               <a:rPr lang="en-US" smtClean="0"/>
-              <a:t>7/11/2017</a:t>
+              <a:t>10/16/2017</a:t>
             </a:fld>
             <a:endParaRPr lang="en-US"/>
           </a:p>
@@ -2330,7 +2330,7 @@
           <a:p>
             <a:fld id="{252CF840-51FB-49D9-ADDC-0C52DA34DC77}" type="datetimeFigureOut">
               <a:rPr lang="en-US" smtClean="0"/>
-              <a:t>7/11/2017</a:t>
+              <a:t>10/16/2017</a:t>
             </a:fld>
             <a:endParaRPr lang="en-US"/>
           </a:p>
@@ -2607,7 +2607,7 @@
           <a:p>
             <a:fld id="{252CF840-51FB-49D9-ADDC-0C52DA34DC77}" type="datetimeFigureOut">
               <a:rPr lang="en-US" smtClean="0"/>
-              <a:t>7/11/2017</a:t>
+              <a:t>10/16/2017</a:t>
             </a:fld>
             <a:endParaRPr lang="en-US"/>
           </a:p>
@@ -2860,7 +2860,7 @@
           <a:p>
             <a:fld id="{252CF840-51FB-49D9-ADDC-0C52DA34DC77}" type="datetimeFigureOut">
               <a:rPr lang="en-US" smtClean="0"/>
-              <a:t>7/11/2017</a:t>
+              <a:t>10/16/2017</a:t>
             </a:fld>
             <a:endParaRPr lang="en-US"/>
           </a:p>
@@ -3073,7 +3073,7 @@
           <a:p>
             <a:fld id="{252CF840-51FB-49D9-ADDC-0C52DA34DC77}" type="datetimeFigureOut">
               <a:rPr lang="en-US" smtClean="0"/>
-              <a:t>7/11/2017</a:t>
+              <a:t>10/16/2017</a:t>
             </a:fld>
             <a:endParaRPr lang="en-US"/>
           </a:p>
@@ -5820,7 +5820,7 @@
             <a:graphicData uri="http://schemas.openxmlformats.org/presentationml/2006/ole">
               <mc:AlternateContent xmlns:mc="http://schemas.openxmlformats.org/markup-compatibility/2006">
                 <mc:Choice xmlns:v="urn:schemas-microsoft-com:vml" Requires="v">
-                  <p:oleObj spid="_x0000_s1246" name="Équation" r:id="rId4" imgW="393480" imgH="253800" progId="Equation.3">
+                  <p:oleObj spid="_x0000_s1252" name="Équation" r:id="rId4" imgW="393480" imgH="253800" progId="Equation.3">
                     <p:embed/>
                   </p:oleObj>
                 </mc:Choice>
@@ -5904,7 +5904,7 @@
           <a:graphicData uri="http://schemas.openxmlformats.org/presentationml/2006/ole">
             <mc:AlternateContent xmlns:mc="http://schemas.openxmlformats.org/markup-compatibility/2006">
               <mc:Choice xmlns:v="urn:schemas-microsoft-com:vml" Requires="v">
-                <p:oleObj spid="_x0000_s1247" name="Équation" r:id="rId6" imgW="393480" imgH="253800" progId="Equation.3">
+                <p:oleObj spid="_x0000_s1253" name="Équation" r:id="rId6" imgW="393480" imgH="253800" progId="Equation.3">
                   <p:embed/>
                 </p:oleObj>
               </mc:Choice>
@@ -5993,7 +5993,7 @@
           <a:graphicData uri="http://schemas.openxmlformats.org/presentationml/2006/ole">
             <mc:AlternateContent xmlns:mc="http://schemas.openxmlformats.org/markup-compatibility/2006">
               <mc:Choice xmlns:v="urn:schemas-microsoft-com:vml" Requires="v">
-                <p:oleObj spid="_x0000_s1248" name="Équation" r:id="rId8" imgW="406080" imgH="253800" progId="Equation.3">
+                <p:oleObj spid="_x0000_s1254" name="Équation" r:id="rId8" imgW="406080" imgH="253800" progId="Equation.3">
                   <p:embed/>
                 </p:oleObj>
               </mc:Choice>
@@ -6082,7 +6082,7 @@
           <a:graphicData uri="http://schemas.openxmlformats.org/presentationml/2006/ole">
             <mc:AlternateContent xmlns:mc="http://schemas.openxmlformats.org/markup-compatibility/2006">
               <mc:Choice xmlns:v="urn:schemas-microsoft-com:vml" Requires="v">
-                <p:oleObj spid="_x0000_s1249" name="Équation" r:id="rId10" imgW="406080" imgH="253800" progId="Equation.3">
+                <p:oleObj spid="_x0000_s1255" name="Équation" r:id="rId10" imgW="406080" imgH="253800" progId="Equation.3">
                   <p:embed/>
                 </p:oleObj>
               </mc:Choice>
@@ -6365,7 +6365,7 @@
             <a:graphicData uri="http://schemas.openxmlformats.org/presentationml/2006/ole">
               <mc:AlternateContent xmlns:mc="http://schemas.openxmlformats.org/markup-compatibility/2006">
                 <mc:Choice xmlns:v="urn:schemas-microsoft-com:vml" Requires="v">
-                  <p:oleObj spid="_x0000_s1250" name="Équation" r:id="rId12" imgW="406080" imgH="253800" progId="Equation.3">
+                  <p:oleObj spid="_x0000_s1256" name="Équation" r:id="rId12" imgW="406080" imgH="253800" progId="Equation.3">
                     <p:embed/>
                   </p:oleObj>
                 </mc:Choice>
@@ -8745,7 +8745,7 @@
             <a:graphicData uri="http://schemas.openxmlformats.org/presentationml/2006/ole">
               <mc:AlternateContent xmlns:mc="http://schemas.openxmlformats.org/markup-compatibility/2006">
                 <mc:Choice xmlns:v="urn:schemas-microsoft-com:vml" Requires="v">
-                  <p:oleObj spid="_x0000_s1251" name="Équation" r:id="rId14" imgW="406080" imgH="253800" progId="Equation.3">
+                  <p:oleObj spid="_x0000_s1257" name="Équation" r:id="rId14" imgW="406080" imgH="253800" progId="Equation.3">
                     <p:embed/>
                   </p:oleObj>
                 </mc:Choice>
@@ -11243,6 +11243,42 @@
               <a:solidFill>
                 <a:schemeClr val="bg1"/>
               </a:solidFill>
+              <a:latin typeface="Times New Roman" panose="02020603050405020304" pitchFamily="18" charset="0"/>
+              <a:cs typeface="Times New Roman" panose="02020603050405020304" pitchFamily="18" charset="0"/>
+            </a:endParaRPr>
+          </a:p>
+        </p:txBody>
+      </p:sp>
+      <p:sp>
+        <p:nvSpPr>
+          <p:cNvPr id="2" name="ZoneTexte 1"/>
+          <p:cNvSpPr txBox="1"/>
+          <p:nvPr/>
+        </p:nvSpPr>
+        <p:spPr>
+          <a:xfrm>
+            <a:off x="549972" y="784411"/>
+            <a:ext cx="646780" cy="276999"/>
+          </a:xfrm>
+          <a:prstGeom prst="rect">
+            <a:avLst/>
+          </a:prstGeom>
+          <a:noFill/>
+        </p:spPr>
+        <p:txBody>
+          <a:bodyPr wrap="none" rtlCol="0">
+            <a:spAutoFit/>
+          </a:bodyPr>
+          <a:lstStyle/>
+          <a:p>
+            <a:r>
+              <a:rPr lang="fr-FR" sz="1200" b="1" dirty="0" smtClean="0">
+                <a:latin typeface="Times New Roman" panose="02020603050405020304" pitchFamily="18" charset="0"/>
+                <a:cs typeface="Times New Roman" panose="02020603050405020304" pitchFamily="18" charset="0"/>
+              </a:rPr>
+              <a:t>T = 5K</a:t>
+            </a:r>
+            <a:endParaRPr lang="fr-FR" sz="1200" b="1" dirty="0">
               <a:latin typeface="Times New Roman" panose="02020603050405020304" pitchFamily="18" charset="0"/>
               <a:cs typeface="Times New Roman" panose="02020603050405020304" pitchFamily="18" charset="0"/>
             </a:endParaRPr>
